--- a/presentation Django.pptx
+++ b/presentation Django.pptx
@@ -5,7 +5,7 @@
     <p:sldMasterId id="2147483659" r:id="rId1"/>
   </p:sldMasterIdLst>
   <p:notesMasterIdLst>
-    <p:notesMasterId r:id="rId13"/>
+    <p:notesMasterId r:id="rId14"/>
   </p:notesMasterIdLst>
   <p:sldIdLst>
     <p:sldId id="256" r:id="rId2"/>
@@ -19,33 +19,34 @@
     <p:sldId id="482" r:id="rId10"/>
     <p:sldId id="483" r:id="rId11"/>
     <p:sldId id="478" r:id="rId12"/>
+    <p:sldId id="485" r:id="rId13"/>
   </p:sldIdLst>
   <p:sldSz cx="9144000" cy="5143500" type="screen16x9"/>
   <p:notesSz cx="6858000" cy="9144000"/>
   <p:embeddedFontLst>
     <p:embeddedFont>
-      <p:font typeface="Book Antiqua" panose="02040602050305030304" pitchFamily="18" charset="0"/>
-      <p:regular r:id="rId14"/>
-      <p:bold r:id="rId15"/>
-      <p:italic r:id="rId16"/>
-      <p:boldItalic r:id="rId17"/>
+      <p:font typeface="MV Boli" panose="02000500030200090000" pitchFamily="2" charset="0"/>
+      <p:regular r:id="rId15"/>
+    </p:embeddedFont>
+    <p:embeddedFont>
+      <p:font typeface="Nixie One" panose="020B0604020202020204" charset="0"/>
+      <p:regular r:id="rId16"/>
     </p:embeddedFont>
     <p:embeddedFont>
       <p:font typeface="Varela Round" panose="020B0604020202020204" charset="0"/>
+      <p:regular r:id="rId17"/>
+    </p:embeddedFont>
+    <p:embeddedFont>
+      <p:font typeface="Book Antiqua" panose="02040602050305030304" pitchFamily="18" charset="0"/>
       <p:regular r:id="rId18"/>
+      <p:bold r:id="rId19"/>
+      <p:italic r:id="rId20"/>
+      <p:boldItalic r:id="rId21"/>
     </p:embeddedFont>
     <p:embeddedFont>
       <p:font typeface="Roboto Slab" panose="020B0604020202020204" charset="0"/>
-      <p:regular r:id="rId19"/>
-      <p:bold r:id="rId20"/>
-    </p:embeddedFont>
-    <p:embeddedFont>
-      <p:font typeface="Nixie One" panose="020B0604020202020204" charset="0"/>
-      <p:regular r:id="rId21"/>
-    </p:embeddedFont>
-    <p:embeddedFont>
-      <p:font typeface="MV Boli" panose="02000500030200090000" pitchFamily="2" charset="0"/>
       <p:regular r:id="rId22"/>
+      <p:bold r:id="rId23"/>
     </p:embeddedFont>
   </p:embeddedFontLst>
   <p:defaultTextStyle>
@@ -7692,6 +7693,381 @@
       </p:transition>
     </mc:Fallback>
   </mc:AlternateContent>
+  <p:timing>
+    <p:tnLst>
+      <p:par>
+        <p:cTn id="1" dur="indefinite" restart="never" nodeType="tmRoot"/>
+      </p:par>
+    </p:tnLst>
+  </p:timing>
+</p:sld>
+</file>
+
+<file path=ppt/slides/slide12.xml><?xml version="1.0" encoding="utf-8"?>
+<p:sld xmlns:a="http://schemas.openxmlformats.org/drawingml/2006/main" xmlns:r="http://schemas.openxmlformats.org/officeDocument/2006/relationships" xmlns:p="http://schemas.openxmlformats.org/presentationml/2006/main">
+  <p:cSld>
+    <p:spTree>
+      <p:nvGrpSpPr>
+        <p:cNvPr id="1" name=""/>
+        <p:cNvGrpSpPr/>
+        <p:nvPr/>
+      </p:nvGrpSpPr>
+      <p:grpSpPr>
+        <a:xfrm>
+          <a:off x="0" y="0"/>
+          <a:ext cx="0" cy="0"/>
+          <a:chOff x="0" y="0"/>
+          <a:chExt cx="0" cy="0"/>
+        </a:xfrm>
+      </p:grpSpPr>
+      <p:graphicFrame>
+        <p:nvGraphicFramePr>
+          <p:cNvPr id="3" name="Tableau 2"/>
+          <p:cNvGraphicFramePr>
+            <a:graphicFrameLocks noGrp="1"/>
+          </p:cNvGraphicFramePr>
+          <p:nvPr>
+            <p:extLst>
+              <p:ext uri="{D42A27DB-BD31-4B8C-83A1-F6EECF244321}">
+                <p14:modId xmlns:p14="http://schemas.microsoft.com/office/powerpoint/2010/main" val="1915802362"/>
+              </p:ext>
+            </p:extLst>
+          </p:nvPr>
+        </p:nvGraphicFramePr>
+        <p:xfrm>
+          <a:off x="678095" y="252069"/>
+          <a:ext cx="6089150" cy="3192342"/>
+        </p:xfrm>
+        <a:graphic>
+          <a:graphicData uri="http://schemas.openxmlformats.org/drawingml/2006/table">
+            <a:tbl>
+              <a:tblPr firstRow="1" bandRow="1">
+                <a:tableStyleId>{8E923A21-9613-4B3C-8BFB-7A5D624C5C8B}</a:tableStyleId>
+              </a:tblPr>
+              <a:tblGrid>
+                <a:gridCol w="3044575"/>
+                <a:gridCol w="3044575"/>
+              </a:tblGrid>
+              <a:tr h="382026">
+                <a:tc>
+                  <a:txBody>
+                    <a:bodyPr/>
+                    <a:lstStyle/>
+                    <a:p>
+                      <a:r>
+                        <a:rPr lang="en-US" dirty="0" err="1" smtClean="0"/>
+                        <a:t>Langues</a:t>
+                      </a:r>
+                      <a:endParaRPr lang="en-US" dirty="0" smtClean="0"/>
+                    </a:p>
+                  </a:txBody>
+                  <a:tcPr/>
+                </a:tc>
+                <a:tc>
+                  <a:txBody>
+                    <a:bodyPr/>
+                    <a:lstStyle/>
+                    <a:p>
+                      <a:r>
+                        <a:rPr lang="en-US" dirty="0" smtClean="0"/>
+                        <a:t>Matching :</a:t>
+                      </a:r>
+                    </a:p>
+                    <a:p>
+                      <a:r>
+                        <a:rPr lang="en-US" dirty="0" err="1" smtClean="0"/>
+                        <a:t>Restant</a:t>
+                      </a:r>
+                      <a:r>
+                        <a:rPr lang="en-US" dirty="0" smtClean="0"/>
+                        <a:t> ?!</a:t>
+                      </a:r>
+                      <a:endParaRPr lang="fr-FR" dirty="0"/>
+                    </a:p>
+                  </a:txBody>
+                  <a:tcPr/>
+                </a:tc>
+              </a:tr>
+              <a:tr h="382026">
+                <a:tc>
+                  <a:txBody>
+                    <a:bodyPr/>
+                    <a:lstStyle/>
+                    <a:p>
+                      <a:r>
+                        <a:rPr lang="en-US" dirty="0" smtClean="0"/>
+                        <a:t>Langue </a:t>
+                      </a:r>
+                      <a:r>
+                        <a:rPr lang="en-US" dirty="0" err="1" smtClean="0"/>
+                        <a:t>maitris</a:t>
+                      </a:r>
+                      <a:r>
+                        <a:rPr lang="fr-FR" dirty="0" smtClean="0"/>
+                        <a:t>é</a:t>
+                      </a:r>
+                      <a:endParaRPr lang="fr-FR" dirty="0"/>
+                    </a:p>
+                  </a:txBody>
+                  <a:tcPr/>
+                </a:tc>
+                <a:tc>
+                  <a:txBody>
+                    <a:bodyPr/>
+                    <a:lstStyle/>
+                    <a:p>
+                      <a:r>
+                        <a:rPr lang="en-US" dirty="0" err="1" smtClean="0"/>
+                        <a:t>Methode</a:t>
+                      </a:r>
+                      <a:r>
+                        <a:rPr lang="en-US" dirty="0" smtClean="0"/>
+                        <a:t> </a:t>
+                      </a:r>
+                      <a:r>
+                        <a:rPr lang="en-US" dirty="0" err="1" smtClean="0"/>
+                        <a:t>secrum</a:t>
+                      </a:r>
+                      <a:endParaRPr lang="fr-FR" dirty="0"/>
+                    </a:p>
+                  </a:txBody>
+                  <a:tcPr/>
+                </a:tc>
+              </a:tr>
+              <a:tr h="382026">
+                <a:tc>
+                  <a:txBody>
+                    <a:bodyPr/>
+                    <a:lstStyle/>
+                    <a:p>
+                      <a:r>
+                        <a:rPr lang="en-US" dirty="0" err="1" smtClean="0"/>
+                        <a:t>Posibilite</a:t>
+                      </a:r>
+                      <a:r>
+                        <a:rPr lang="en-US" dirty="0" smtClean="0"/>
+                        <a:t> </a:t>
+                      </a:r>
+                      <a:r>
+                        <a:rPr lang="en-US" dirty="0" err="1" smtClean="0"/>
+                        <a:t>d’ajouter</a:t>
+                      </a:r>
+                      <a:r>
+                        <a:rPr lang="en-US" dirty="0" smtClean="0"/>
+                        <a:t> lm</a:t>
+                      </a:r>
+                      <a:r>
+                        <a:rPr lang="en-US" baseline="0" dirty="0" smtClean="0"/>
+                        <a:t> a un </a:t>
+                      </a:r>
+                      <a:r>
+                        <a:rPr lang="en-US" baseline="0" dirty="0" err="1" smtClean="0"/>
+                        <a:t>profil</a:t>
+                      </a:r>
+                      <a:endParaRPr lang="fr-FR" dirty="0"/>
+                    </a:p>
+                  </a:txBody>
+                  <a:tcPr/>
+                </a:tc>
+                <a:tc>
+                  <a:txBody>
+                    <a:bodyPr/>
+                    <a:lstStyle/>
+                    <a:p>
+                      <a:endParaRPr lang="fr-FR"/>
+                    </a:p>
+                  </a:txBody>
+                  <a:tcPr/>
+                </a:tc>
+              </a:tr>
+              <a:tr h="382026">
+                <a:tc>
+                  <a:txBody>
+                    <a:bodyPr/>
+                    <a:lstStyle/>
+                    <a:p>
+                      <a:r>
+                        <a:rPr lang="en-US" dirty="0" err="1" smtClean="0"/>
+                        <a:t>Rechercher</a:t>
+                      </a:r>
+                      <a:r>
+                        <a:rPr lang="en-US" dirty="0" smtClean="0"/>
+                        <a:t> </a:t>
+                      </a:r>
+                      <a:r>
+                        <a:rPr lang="en-US" dirty="0" err="1" smtClean="0"/>
+                        <a:t>filtrer</a:t>
+                      </a:r>
+                      <a:r>
+                        <a:rPr lang="en-US" dirty="0" smtClean="0"/>
+                        <a:t> </a:t>
+                      </a:r>
+                      <a:r>
+                        <a:rPr lang="en-US" dirty="0" err="1" smtClean="0"/>
+                        <a:t>avance</a:t>
+                      </a:r>
+                      <a:r>
+                        <a:rPr lang="en-US" dirty="0" smtClean="0"/>
+                        <a:t> freelancer</a:t>
+                      </a:r>
+                      <a:endParaRPr lang="fr-FR" dirty="0"/>
+                    </a:p>
+                  </a:txBody>
+                  <a:tcPr/>
+                </a:tc>
+                <a:tc>
+                  <a:txBody>
+                    <a:bodyPr/>
+                    <a:lstStyle/>
+                    <a:p>
+                      <a:endParaRPr lang="fr-FR"/>
+                    </a:p>
+                  </a:txBody>
+                  <a:tcPr/>
+                </a:tc>
+              </a:tr>
+              <a:tr h="382026">
+                <a:tc>
+                  <a:txBody>
+                    <a:bodyPr/>
+                    <a:lstStyle/>
+                    <a:p>
+                      <a:r>
+                        <a:rPr lang="en-US" dirty="0" err="1" smtClean="0"/>
+                        <a:t>Rechercher</a:t>
+                      </a:r>
+                      <a:r>
+                        <a:rPr lang="en-US" dirty="0" smtClean="0"/>
+                        <a:t> job list (</a:t>
+                      </a:r>
+                      <a:r>
+                        <a:rPr lang="en-US" dirty="0" err="1" smtClean="0"/>
+                        <a:t>restant</a:t>
+                      </a:r>
+                      <a:r>
+                        <a:rPr lang="en-US" dirty="0" smtClean="0"/>
+                        <a:t>) </a:t>
+                      </a:r>
+                      <a:endParaRPr lang="fr-FR" dirty="0"/>
+                    </a:p>
+                  </a:txBody>
+                  <a:tcPr/>
+                </a:tc>
+                <a:tc>
+                  <a:txBody>
+                    <a:bodyPr/>
+                    <a:lstStyle/>
+                    <a:p>
+                      <a:endParaRPr lang="fr-FR" dirty="0"/>
+                    </a:p>
+                  </a:txBody>
+                  <a:tcPr/>
+                </a:tc>
+              </a:tr>
+              <a:tr h="382026">
+                <a:tc>
+                  <a:txBody>
+                    <a:bodyPr/>
+                    <a:lstStyle/>
+                    <a:p>
+                      <a:r>
+                        <a:rPr lang="en-US" dirty="0" smtClean="0"/>
+                        <a:t>Details free lancer</a:t>
+                      </a:r>
+                      <a:endParaRPr lang="fr-FR" dirty="0"/>
+                    </a:p>
+                  </a:txBody>
+                  <a:tcPr/>
+                </a:tc>
+                <a:tc>
+                  <a:txBody>
+                    <a:bodyPr/>
+                    <a:lstStyle/>
+                    <a:p>
+                      <a:endParaRPr lang="fr-FR"/>
+                    </a:p>
+                  </a:txBody>
+                  <a:tcPr/>
+                </a:tc>
+              </a:tr>
+              <a:tr h="382026">
+                <a:tc>
+                  <a:txBody>
+                    <a:bodyPr/>
+                    <a:lstStyle/>
+                    <a:p>
+                      <a:r>
+                        <a:rPr lang="en-US" dirty="0" err="1" smtClean="0"/>
+                        <a:t>Noter</a:t>
+                      </a:r>
+                      <a:r>
+                        <a:rPr lang="en-US" dirty="0" smtClean="0"/>
+                        <a:t> free lancer</a:t>
+                      </a:r>
+                      <a:endParaRPr lang="fr-FR" dirty="0"/>
+                    </a:p>
+                  </a:txBody>
+                  <a:tcPr/>
+                </a:tc>
+                <a:tc>
+                  <a:txBody>
+                    <a:bodyPr/>
+                    <a:lstStyle/>
+                    <a:p>
+                      <a:endParaRPr lang="fr-FR"/>
+                    </a:p>
+                  </a:txBody>
+                  <a:tcPr/>
+                </a:tc>
+              </a:tr>
+              <a:tr h="382026">
+                <a:tc>
+                  <a:txBody>
+                    <a:bodyPr/>
+                    <a:lstStyle/>
+                    <a:p>
+                      <a:r>
+                        <a:rPr lang="en-US" dirty="0" smtClean="0"/>
+                        <a:t>Modification </a:t>
+                      </a:r>
+                      <a:r>
+                        <a:rPr lang="en-US" dirty="0" err="1" smtClean="0"/>
+                        <a:t>navbar</a:t>
+                      </a:r>
+                      <a:r>
+                        <a:rPr lang="en-US" dirty="0" smtClean="0"/>
+                        <a:t> (secure)</a:t>
+                      </a:r>
+                      <a:endParaRPr lang="fr-FR" dirty="0"/>
+                    </a:p>
+                  </a:txBody>
+                  <a:tcPr/>
+                </a:tc>
+                <a:tc>
+                  <a:txBody>
+                    <a:bodyPr/>
+                    <a:lstStyle/>
+                    <a:p>
+                      <a:endParaRPr lang="fr-FR" dirty="0"/>
+                    </a:p>
+                  </a:txBody>
+                  <a:tcPr/>
+                </a:tc>
+              </a:tr>
+            </a:tbl>
+          </a:graphicData>
+        </a:graphic>
+      </p:graphicFrame>
+    </p:spTree>
+    <p:extLst>
+      <p:ext uri="{BB962C8B-B14F-4D97-AF65-F5344CB8AC3E}">
+        <p14:creationId xmlns:p14="http://schemas.microsoft.com/office/powerpoint/2010/main" val="2611328742"/>
+      </p:ext>
+    </p:extLst>
+  </p:cSld>
+  <p:clrMapOvr>
+    <a:masterClrMapping/>
+  </p:clrMapOvr>
   <p:timing>
     <p:tnLst>
       <p:par>
@@ -10380,10 +10756,6 @@
               </a:rPr>
               <a:t>.</a:t>
             </a:r>
-            <a:endParaRPr lang="fr-FR" sz="2000" dirty="0" smtClean="0">
-              <a:latin typeface="Times New Roman" panose="02020603050405020304" pitchFamily="18" charset="0"/>
-              <a:cs typeface="+mj-cs"/>
-            </a:endParaRPr>
           </a:p>
           <a:p>
             <a:pPr>
@@ -10459,10 +10831,6 @@
               </a:rPr>
               <a:t>.</a:t>
             </a:r>
-            <a:endParaRPr lang="en-US" sz="2000" dirty="0" smtClean="0">
-              <a:latin typeface="Times New Roman" panose="02020603050405020304" pitchFamily="18" charset="0"/>
-              <a:cs typeface="+mj-cs"/>
-            </a:endParaRPr>
           </a:p>
           <a:p>
             <a:pPr marL="393192" lvl="1">
@@ -10502,14 +10870,7 @@
                 <a:latin typeface="+mj-lt"/>
                 <a:cs typeface="+mj-cs"/>
               </a:rPr>
-              <a:t>Diversité des annonces d’emplois</a:t>
-            </a:r>
-            <a:r>
-              <a:rPr lang="fr-FR" sz="2000" dirty="0" smtClean="0">
-                <a:latin typeface="+mj-lt"/>
-                <a:cs typeface="+mj-cs"/>
-              </a:rPr>
-              <a:t>.</a:t>
+              <a:t>Diversité des annonces d’emplois.</a:t>
             </a:r>
           </a:p>
           <a:p>
@@ -11557,7 +11918,7 @@
           <p:cNvPr id="7" name="Ellipse 6">
             <a:extLst>
               <a:ext uri="{FF2B5EF4-FFF2-40B4-BE49-F238E27FC236}">
-                <a16:creationId xmlns:a16="http://schemas.microsoft.com/office/drawing/2014/main" xmlns="" id="{13D15437-58EB-47CC-ACE9-A11D9A755476}"/>
+                <a16:creationId xmlns="" xmlns:a16="http://schemas.microsoft.com/office/drawing/2014/main" id="{13D15437-58EB-47CC-ACE9-A11D9A755476}"/>
               </a:ext>
             </a:extLst>
           </p:cNvPr>
@@ -11643,7 +12004,7 @@
           <p:cNvPr id="8" name="Connecteur droit 7">
             <a:extLst>
               <a:ext uri="{FF2B5EF4-FFF2-40B4-BE49-F238E27FC236}">
-                <a16:creationId xmlns:a16="http://schemas.microsoft.com/office/drawing/2014/main" xmlns="" id="{843CF37D-7B71-4204-95D9-A866AC249E17}"/>
+                <a16:creationId xmlns="" xmlns:a16="http://schemas.microsoft.com/office/drawing/2014/main" id="{843CF37D-7B71-4204-95D9-A866AC249E17}"/>
               </a:ext>
             </a:extLst>
           </p:cNvPr>
@@ -11686,7 +12047,7 @@
           <p:cNvPr id="9" name="Connecteur droit 8">
             <a:extLst>
               <a:ext uri="{FF2B5EF4-FFF2-40B4-BE49-F238E27FC236}">
-                <a16:creationId xmlns:a16="http://schemas.microsoft.com/office/drawing/2014/main" xmlns="" id="{6DE068A6-A112-4402-BDB2-DB18E065D7A3}"/>
+                <a16:creationId xmlns="" xmlns:a16="http://schemas.microsoft.com/office/drawing/2014/main" id="{6DE068A6-A112-4402-BDB2-DB18E065D7A3}"/>
               </a:ext>
             </a:extLst>
           </p:cNvPr>
@@ -11730,7 +12091,7 @@
           <p:cNvPr id="15" name="Connecteur droit 14">
             <a:extLst>
               <a:ext uri="{FF2B5EF4-FFF2-40B4-BE49-F238E27FC236}">
-                <a16:creationId xmlns:a16="http://schemas.microsoft.com/office/drawing/2014/main" xmlns="" id="{43F484AA-487E-41CC-8850-0AB28EE245B4}"/>
+                <a16:creationId xmlns="" xmlns:a16="http://schemas.microsoft.com/office/drawing/2014/main" id="{43F484AA-487E-41CC-8850-0AB28EE245B4}"/>
               </a:ext>
             </a:extLst>
           </p:cNvPr>
@@ -11773,7 +12134,7 @@
           <p:cNvPr id="19" name="Connecteur droit 18">
             <a:extLst>
               <a:ext uri="{FF2B5EF4-FFF2-40B4-BE49-F238E27FC236}">
-                <a16:creationId xmlns:a16="http://schemas.microsoft.com/office/drawing/2014/main" xmlns="" id="{FCFD139A-8A65-4597-A776-00D2BEFDE787}"/>
+                <a16:creationId xmlns="" xmlns:a16="http://schemas.microsoft.com/office/drawing/2014/main" id="{FCFD139A-8A65-4597-A776-00D2BEFDE787}"/>
               </a:ext>
             </a:extLst>
           </p:cNvPr>
@@ -11816,7 +12177,7 @@
           <p:cNvPr id="25" name="Image 13" descr="RÃ©sultat de recherche d'images pour &quot;visual studio code definition&quot;">
             <a:extLst>
               <a:ext uri="{FF2B5EF4-FFF2-40B4-BE49-F238E27FC236}">
-                <a16:creationId xmlns:a16="http://schemas.microsoft.com/office/drawing/2014/main" xmlns="" id="{2B3717FD-083B-4B8C-B93A-0054E6A99BF9}"/>
+                <a16:creationId xmlns="" xmlns:a16="http://schemas.microsoft.com/office/drawing/2014/main" id="{2B3717FD-083B-4B8C-B93A-0054E6A99BF9}"/>
               </a:ext>
             </a:extLst>
           </p:cNvPr>
@@ -11852,7 +12213,7 @@
           <p:cNvPr id="26" name="Image 25" descr="C:\Users\Cheikh Baye\Desktop\injs.png">
             <a:extLst>
               <a:ext uri="{FF2B5EF4-FFF2-40B4-BE49-F238E27FC236}">
-                <a16:creationId xmlns:a16="http://schemas.microsoft.com/office/drawing/2014/main" xmlns="" id="{B2BE2CE8-08F4-40B3-9E9E-574DFFC6CF5A}"/>
+                <a16:creationId xmlns="" xmlns:a16="http://schemas.microsoft.com/office/drawing/2014/main" id="{B2BE2CE8-08F4-40B3-9E9E-574DFFC6CF5A}"/>
               </a:ext>
             </a:extLst>
           </p:cNvPr>
@@ -11905,7 +12266,7 @@
           <p:cNvPr id="27" name="Image 26">
             <a:extLst>
               <a:ext uri="{FF2B5EF4-FFF2-40B4-BE49-F238E27FC236}">
-                <a16:creationId xmlns:a16="http://schemas.microsoft.com/office/drawing/2014/main" xmlns="" id="{366F9B34-B13A-4BCB-AD1A-D5EA6E3DD283}"/>
+                <a16:creationId xmlns="" xmlns:a16="http://schemas.microsoft.com/office/drawing/2014/main" id="{366F9B34-B13A-4BCB-AD1A-D5EA6E3DD283}"/>
               </a:ext>
             </a:extLst>
           </p:cNvPr>
@@ -11940,7 +12301,7 @@
           <p:cNvPr id="28" name="Image 71" descr="C:\Users\TOSHIBA\AppData\Local\Microsoft\Windows\INetCache\Content.MSO\8AA390F2.tmp">
             <a:extLst>
               <a:ext uri="{FF2B5EF4-FFF2-40B4-BE49-F238E27FC236}">
-                <a16:creationId xmlns:a16="http://schemas.microsoft.com/office/drawing/2014/main" xmlns="" id="{33A5230C-F174-41F2-B805-D0E989F14D5C}"/>
+                <a16:creationId xmlns="" xmlns:a16="http://schemas.microsoft.com/office/drawing/2014/main" id="{33A5230C-F174-41F2-B805-D0E989F14D5C}"/>
               </a:ext>
             </a:extLst>
           </p:cNvPr>
@@ -11979,7 +12340,7 @@
           <p:cNvPr id="29" name="Image 72" descr="C:\Users\TOSHIBA\AppData\Local\Microsoft\Windows\INetCache\Content.MSO\C11B0DD0.tmp">
             <a:extLst>
               <a:ext uri="{FF2B5EF4-FFF2-40B4-BE49-F238E27FC236}">
-                <a16:creationId xmlns:a16="http://schemas.microsoft.com/office/drawing/2014/main" xmlns="" id="{CDB52DE3-5905-4041-8090-31128A52F0F5}"/>
+                <a16:creationId xmlns="" xmlns:a16="http://schemas.microsoft.com/office/drawing/2014/main" id="{CDB52DE3-5905-4041-8090-31128A52F0F5}"/>
               </a:ext>
             </a:extLst>
           </p:cNvPr>
@@ -12018,7 +12379,7 @@
           <p:cNvPr id="30" name="Image 29">
             <a:extLst>
               <a:ext uri="{FF2B5EF4-FFF2-40B4-BE49-F238E27FC236}">
-                <a16:creationId xmlns:a16="http://schemas.microsoft.com/office/drawing/2014/main" xmlns="" id="{A13214CF-1BF2-4E9F-A49E-EFC3D743F293}"/>
+                <a16:creationId xmlns="" xmlns:a16="http://schemas.microsoft.com/office/drawing/2014/main" id="{A13214CF-1BF2-4E9F-A49E-EFC3D743F293}"/>
               </a:ext>
             </a:extLst>
           </p:cNvPr>
@@ -12069,7 +12430,7 @@
           <p:cNvPr id="31" name="Image 30">
             <a:extLst>
               <a:ext uri="{FF2B5EF4-FFF2-40B4-BE49-F238E27FC236}">
-                <a16:creationId xmlns:a16="http://schemas.microsoft.com/office/drawing/2014/main" xmlns="" id="{B727AD6F-18FE-462E-81B0-9A98031F38EB}"/>
+                <a16:creationId xmlns="" xmlns:a16="http://schemas.microsoft.com/office/drawing/2014/main" id="{B727AD6F-18FE-462E-81B0-9A98031F38EB}"/>
               </a:ext>
             </a:extLst>
           </p:cNvPr>
@@ -12120,7 +12481,7 @@
           <p:cNvPr id="32" name="Ellipse 31">
             <a:extLst>
               <a:ext uri="{FF2B5EF4-FFF2-40B4-BE49-F238E27FC236}">
-                <a16:creationId xmlns:a16="http://schemas.microsoft.com/office/drawing/2014/main" xmlns="" id="{10D9FF00-BCE3-4A73-8999-7FFDE442B41E}"/>
+                <a16:creationId xmlns="" xmlns:a16="http://schemas.microsoft.com/office/drawing/2014/main" id="{10D9FF00-BCE3-4A73-8999-7FFDE442B41E}"/>
               </a:ext>
             </a:extLst>
           </p:cNvPr>
@@ -12166,7 +12527,7 @@
           <p:cNvPr id="34" name="Connecteur droit 33">
             <a:extLst>
               <a:ext uri="{FF2B5EF4-FFF2-40B4-BE49-F238E27FC236}">
-                <a16:creationId xmlns:a16="http://schemas.microsoft.com/office/drawing/2014/main" xmlns="" id="{663899A5-49FC-4571-9258-6A4F4B68C516}"/>
+                <a16:creationId xmlns="" xmlns:a16="http://schemas.microsoft.com/office/drawing/2014/main" id="{663899A5-49FC-4571-9258-6A4F4B68C516}"/>
               </a:ext>
             </a:extLst>
           </p:cNvPr>
@@ -12210,7 +12571,7 @@
           <p:cNvPr id="38" name="Connecteur droit 37">
             <a:extLst>
               <a:ext uri="{FF2B5EF4-FFF2-40B4-BE49-F238E27FC236}">
-                <a16:creationId xmlns:a16="http://schemas.microsoft.com/office/drawing/2014/main" xmlns="" id="{A34B639B-8669-408D-BA3D-6195CF0FF00D}"/>
+                <a16:creationId xmlns="" xmlns:a16="http://schemas.microsoft.com/office/drawing/2014/main" id="{A34B639B-8669-408D-BA3D-6195CF0FF00D}"/>
               </a:ext>
             </a:extLst>
           </p:cNvPr>
@@ -12253,7 +12614,7 @@
           <p:cNvPr id="40" name="Connecteur droit 39">
             <a:extLst>
               <a:ext uri="{FF2B5EF4-FFF2-40B4-BE49-F238E27FC236}">
-                <a16:creationId xmlns:a16="http://schemas.microsoft.com/office/drawing/2014/main" xmlns="" id="{75634582-CDA6-4F5F-B801-0E9A1706E4C3}"/>
+                <a16:creationId xmlns="" xmlns:a16="http://schemas.microsoft.com/office/drawing/2014/main" id="{75634582-CDA6-4F5F-B801-0E9A1706E4C3}"/>
               </a:ext>
             </a:extLst>
           </p:cNvPr>
@@ -12296,7 +12657,7 @@
           <p:cNvPr id="43" name="Connecteur droit 42">
             <a:extLst>
               <a:ext uri="{FF2B5EF4-FFF2-40B4-BE49-F238E27FC236}">
-                <a16:creationId xmlns:a16="http://schemas.microsoft.com/office/drawing/2014/main" xmlns="" id="{46877FD7-3EB5-413A-87D5-D407CEDB7A83}"/>
+                <a16:creationId xmlns="" xmlns:a16="http://schemas.microsoft.com/office/drawing/2014/main" id="{46877FD7-3EB5-413A-87D5-D407CEDB7A83}"/>
               </a:ext>
             </a:extLst>
           </p:cNvPr>
@@ -12339,7 +12700,7 @@
           <p:cNvPr id="55" name="Connecteur droit 54">
             <a:extLst>
               <a:ext uri="{FF2B5EF4-FFF2-40B4-BE49-F238E27FC236}">
-                <a16:creationId xmlns:a16="http://schemas.microsoft.com/office/drawing/2014/main" xmlns="" id="{468207C2-5AA4-4E2D-8E39-19923EA45CD1}"/>
+                <a16:creationId xmlns="" xmlns:a16="http://schemas.microsoft.com/office/drawing/2014/main" id="{468207C2-5AA4-4E2D-8E39-19923EA45CD1}"/>
               </a:ext>
             </a:extLst>
           </p:cNvPr>
@@ -12383,7 +12744,7 @@
           <p:cNvPr id="88" name="Espace réservé du contenu 3">
             <a:extLst>
               <a:ext uri="{FF2B5EF4-FFF2-40B4-BE49-F238E27FC236}">
-                <a16:creationId xmlns:a16="http://schemas.microsoft.com/office/drawing/2014/main" xmlns="" id="{FBD48580-63C3-48C9-ADA1-A09295AF83B7}"/>
+                <a16:creationId xmlns="" xmlns:a16="http://schemas.microsoft.com/office/drawing/2014/main" id="{FBD48580-63C3-48C9-ADA1-A09295AF83B7}"/>
               </a:ext>
             </a:extLst>
           </p:cNvPr>
@@ -12418,7 +12779,7 @@
           <p:cNvPr id="132" name="Image 131">
             <a:extLst>
               <a:ext uri="{FF2B5EF4-FFF2-40B4-BE49-F238E27FC236}">
-                <a16:creationId xmlns:a16="http://schemas.microsoft.com/office/drawing/2014/main" xmlns="" id="{D900407F-886A-44A3-8DD1-7EFB8C3BE2EC}"/>
+                <a16:creationId xmlns="" xmlns:a16="http://schemas.microsoft.com/office/drawing/2014/main" id="{D900407F-886A-44A3-8DD1-7EFB8C3BE2EC}"/>
               </a:ext>
             </a:extLst>
           </p:cNvPr>
@@ -12469,7 +12830,7 @@
           <p:cNvPr id="133" name="Image 132">
             <a:extLst>
               <a:ext uri="{FF2B5EF4-FFF2-40B4-BE49-F238E27FC236}">
-                <a16:creationId xmlns:a16="http://schemas.microsoft.com/office/drawing/2014/main" xmlns="" id="{D6C8EF7D-CE5D-423F-B083-EC796AF92851}"/>
+                <a16:creationId xmlns="" xmlns:a16="http://schemas.microsoft.com/office/drawing/2014/main" id="{D6C8EF7D-CE5D-423F-B083-EC796AF92851}"/>
               </a:ext>
             </a:extLst>
           </p:cNvPr>
@@ -12520,7 +12881,7 @@
           <p:cNvPr id="135" name="Connecteur droit 134">
             <a:extLst>
               <a:ext uri="{FF2B5EF4-FFF2-40B4-BE49-F238E27FC236}">
-                <a16:creationId xmlns:a16="http://schemas.microsoft.com/office/drawing/2014/main" xmlns="" id="{38A74137-C22A-4DF6-BE9F-64DF445CC042}"/>
+                <a16:creationId xmlns="" xmlns:a16="http://schemas.microsoft.com/office/drawing/2014/main" id="{38A74137-C22A-4DF6-BE9F-64DF445CC042}"/>
               </a:ext>
             </a:extLst>
           </p:cNvPr>
@@ -12563,7 +12924,7 @@
           <p:cNvPr id="45" name="Connecteur droit 44">
             <a:extLst>
               <a:ext uri="{FF2B5EF4-FFF2-40B4-BE49-F238E27FC236}">
-                <a16:creationId xmlns:a16="http://schemas.microsoft.com/office/drawing/2014/main" xmlns="" id="{806DA1CE-04F4-426B-90AB-849EB91E0367}"/>
+                <a16:creationId xmlns="" xmlns:a16="http://schemas.microsoft.com/office/drawing/2014/main" id="{806DA1CE-04F4-426B-90AB-849EB91E0367}"/>
               </a:ext>
             </a:extLst>
           </p:cNvPr>
@@ -12606,7 +12967,7 @@
           <p:cNvPr id="54" name="Connecteur droit 53">
             <a:extLst>
               <a:ext uri="{FF2B5EF4-FFF2-40B4-BE49-F238E27FC236}">
-                <a16:creationId xmlns:a16="http://schemas.microsoft.com/office/drawing/2014/main" xmlns="" id="{5D309F89-85B8-4397-8D3F-BA832AB44CA6}"/>
+                <a16:creationId xmlns="" xmlns:a16="http://schemas.microsoft.com/office/drawing/2014/main" id="{5D309F89-85B8-4397-8D3F-BA832AB44CA6}"/>
               </a:ext>
             </a:extLst>
           </p:cNvPr>
@@ -12649,7 +13010,7 @@
           <p:cNvPr id="60" name="Image 59">
             <a:extLst>
               <a:ext uri="{FF2B5EF4-FFF2-40B4-BE49-F238E27FC236}">
-                <a16:creationId xmlns:a16="http://schemas.microsoft.com/office/drawing/2014/main" xmlns="" id="{BE3A3CD2-92F3-4FD5-8E3B-7B6E5C3AF598}"/>
+                <a16:creationId xmlns="" xmlns:a16="http://schemas.microsoft.com/office/drawing/2014/main" id="{BE3A3CD2-92F3-4FD5-8E3B-7B6E5C3AF598}"/>
               </a:ext>
             </a:extLst>
           </p:cNvPr>
@@ -12735,11 +13096,11 @@
   <p:clrMapOvr>
     <a:masterClrMapping/>
   </p:clrMapOvr>
-  <mc:AlternateContent xmlns:mc="http://schemas.openxmlformats.org/markup-compatibility/2006">
-    <mc:Choice xmlns:p14="http://schemas.microsoft.com/office/powerpoint/2010/main" Requires="p14">
+  <mc:AlternateContent xmlns:mc="http://schemas.openxmlformats.org/markup-compatibility/2006" xmlns:p14="http://schemas.microsoft.com/office/powerpoint/2010/main">
+    <mc:Choice Requires="p14">
       <p:transition p14:dur="10"/>
     </mc:Choice>
-    <mc:Fallback>
+    <mc:Fallback xmlns="">
       <p:transition/>
     </mc:Fallback>
   </mc:AlternateContent>
